--- a/final-presentations/2021-03-25-iss/05-design.pptx
+++ b/final-presentations/2021-03-25-iss/05-design.pptx
@@ -5,14 +5,14 @@
     <p:sldMasterId id="2147483935" r:id="rId4"/>
   </p:sldMasterIdLst>
   <p:notesMasterIdLst>
-    <p:notesMasterId r:id="rId21"/>
+    <p:notesMasterId r:id="rId22"/>
   </p:notesMasterIdLst>
   <p:handoutMasterIdLst>
-    <p:handoutMasterId r:id="rId22"/>
+    <p:handoutMasterId r:id="rId23"/>
   </p:handoutMasterIdLst>
   <p:sldIdLst>
     <p:sldId id="318" r:id="rId5"/>
-    <p:sldId id="320" r:id="rId6"/>
+    <p:sldId id="644" r:id="rId6"/>
     <p:sldId id="615" r:id="rId7"/>
     <p:sldId id="618" r:id="rId8"/>
     <p:sldId id="640" r:id="rId9"/>
@@ -27,6 +27,7 @@
     <p:sldId id="626" r:id="rId18"/>
     <p:sldId id="548" r:id="rId19"/>
     <p:sldId id="571" r:id="rId20"/>
+    <p:sldId id="264" r:id="rId21"/>
   </p:sldIdLst>
   <p:sldSz cx="12188825" cy="6858000"/>
   <p:notesSz cx="7010400" cy="9296400"/>
@@ -270,7 +271,7 @@
           <a:p>
             <a:fld id="{0B842F42-2CE9-4E35-95C1-410DC08A50B1}" type="datetimeFigureOut">
               <a:rPr lang="en-US" smtClean="0"/>
-              <a:t>3/16/21</a:t>
+              <a:t>3/21/2021</a:t>
             </a:fld>
             <a:endParaRPr lang="en-US"/>
           </a:p>
@@ -435,7 +436,7 @@
           <a:p>
             <a:fld id="{6F282904-F315-4730-8D91-37D99E141A6F}" type="datetimeFigureOut">
               <a:rPr lang="en-US" smtClean="0"/>
-              <a:t>3/16/21</a:t>
+              <a:t>3/21/2021</a:t>
             </a:fld>
             <a:endParaRPr lang="en-US"/>
           </a:p>
@@ -1644,7 +1645,7 @@
           <a:noFill/>
           <a:extLst>
             <a:ext uri="{909E8E84-426E-40dd-AFC4-6F175D3DCCD1}">
-              <a14:hiddenFill xmlns="" xmlns:a14="http://schemas.microsoft.com/office/drawing/2010/main">
+              <a14:hiddenFill xmlns:a14="http://schemas.microsoft.com/office/drawing/2010/main" xmlns="">
                 <a:solidFill>
                   <a:srgbClr val="FFFFFF"/>
                 </a:solidFill>
@@ -1798,7 +1799,7 @@
           <a:noFill/>
           <a:extLst>
             <a:ext uri="{909E8E84-426E-40dd-AFC4-6F175D3DCCD1}">
-              <a14:hiddenFill xmlns="" xmlns:a14="http://schemas.microsoft.com/office/drawing/2010/main">
+              <a14:hiddenFill xmlns:a14="http://schemas.microsoft.com/office/drawing/2010/main" xmlns="">
                 <a:solidFill>
                   <a:srgbClr val="FFFFFF"/>
                 </a:solidFill>
@@ -2218,7 +2219,7 @@
           <a:p>
             <a:fld id="{68F49DD1-DDB5-AB43-B311-7649AD474C82}" type="datetimeFigureOut">
               <a:rPr lang="en-US" smtClean="0"/>
-              <a:t>3/16/21</a:t>
+              <a:t>3/21/2021</a:t>
             </a:fld>
             <a:endParaRPr lang="en-US"/>
           </a:p>
@@ -5568,41 +5569,10 @@
             <a:endParaRPr lang="en-US" dirty="0"/>
           </a:p>
           <a:p>
-            <a:pPr>
-              <a:spcBef>
-                <a:spcPts val="2400"/>
-              </a:spcBef>
-            </a:pPr>
-            <a:r>
-              <a:rPr lang="en-US" sz="2000" b="1" dirty="0"/>
-              <a:t>Better Scientific Software Tutorial, SEA-ISS </a:t>
-            </a:r>
-          </a:p>
-          <a:p>
-            <a:pPr>
-              <a:spcBef>
-                <a:spcPts val="2400"/>
-              </a:spcBef>
-            </a:pPr>
-            <a:r>
-              <a:rPr lang="en-US" sz="2000" b="1" dirty="0"/>
-              <a:t>March 25, 2021</a:t>
-            </a:r>
-            <a:br>
-              <a:rPr lang="en-US" sz="2000" dirty="0"/>
-            </a:br>
-            <a:endParaRPr lang="en-US" sz="2000" dirty="0"/>
-          </a:p>
-          <a:p>
-            <a:pPr>
-              <a:spcBef>
-                <a:spcPts val="2400"/>
-              </a:spcBef>
-            </a:pPr>
-            <a:br>
-              <a:rPr lang="en-US" sz="2000" dirty="0"/>
-            </a:br>
-            <a:endParaRPr lang="en-US" sz="2000" dirty="0"/>
+            <a:r>
+              <a:rPr lang="en-US" dirty="0"/>
+              <a:t>Better Scientific Software Tutorial, ISS, March 2021</a:t>
+            </a:r>
           </a:p>
         </p:txBody>
       </p:sp>
@@ -15405,6 +15375,1612 @@
 </p:sld>
 </file>
 
+<file path=ppt/slides/slide17.xml><?xml version="1.0" encoding="utf-8"?>
+<p:sld xmlns:a="http://schemas.openxmlformats.org/drawingml/2006/main" xmlns:r="http://schemas.openxmlformats.org/officeDocument/2006/relationships" xmlns:p="http://schemas.openxmlformats.org/presentationml/2006/main">
+  <p:cSld>
+    <p:spTree>
+      <p:nvGrpSpPr>
+        <p:cNvPr id="1" name=""/>
+        <p:cNvGrpSpPr/>
+        <p:nvPr/>
+      </p:nvGrpSpPr>
+      <p:grpSpPr>
+        <a:xfrm>
+          <a:off x="0" y="0"/>
+          <a:ext cx="0" cy="0"/>
+          <a:chOff x="0" y="0"/>
+          <a:chExt cx="0" cy="0"/>
+        </a:xfrm>
+      </p:grpSpPr>
+      <p:sp>
+        <p:nvSpPr>
+          <p:cNvPr id="2" name="Title 1">
+            <a:extLst>
+              <a:ext uri="{FF2B5EF4-FFF2-40B4-BE49-F238E27FC236}">
+                <a16:creationId xmlns:a16="http://schemas.microsoft.com/office/drawing/2014/main" id="{2D652AD8-340F-4E8B-B0C4-7ABAA20B6F6A}"/>
+              </a:ext>
+            </a:extLst>
+          </p:cNvPr>
+          <p:cNvSpPr>
+            <a:spLocks noGrp="1"/>
+          </p:cNvSpPr>
+          <p:nvPr>
+            <p:ph type="title"/>
+          </p:nvPr>
+        </p:nvSpPr>
+        <p:spPr/>
+        <p:txBody>
+          <a:bodyPr/>
+          <a:lstStyle/>
+          <a:p>
+            <a:r>
+              <a:rPr lang="en-US" dirty="0"/>
+              <a:t>Agenda</a:t>
+            </a:r>
+          </a:p>
+        </p:txBody>
+      </p:sp>
+      <p:graphicFrame>
+        <p:nvGraphicFramePr>
+          <p:cNvPr id="4" name="Content Placeholder 3">
+            <a:extLst>
+              <a:ext uri="{FF2B5EF4-FFF2-40B4-BE49-F238E27FC236}">
+                <a16:creationId xmlns:a16="http://schemas.microsoft.com/office/drawing/2014/main" id="{A0943BB2-2F98-4DD2-873B-1E619A0C771D}"/>
+              </a:ext>
+            </a:extLst>
+          </p:cNvPr>
+          <p:cNvGraphicFramePr>
+            <a:graphicFrameLocks noGrp="1"/>
+          </p:cNvGraphicFramePr>
+          <p:nvPr>
+            <p:ph idx="1"/>
+          </p:nvPr>
+        </p:nvGraphicFramePr>
+        <p:xfrm>
+          <a:off x="1055369" y="916940"/>
+          <a:ext cx="10078086" cy="5024120"/>
+        </p:xfrm>
+        <a:graphic>
+          <a:graphicData uri="http://schemas.openxmlformats.org/drawingml/2006/table">
+            <a:tbl>
+              <a:tblPr firstRow="1" bandRow="1">
+                <a:tableStyleId>{5C22544A-7EE6-4342-B048-85BDC9FD1C3A}</a:tableStyleId>
+              </a:tblPr>
+              <a:tblGrid>
+                <a:gridCol w="1826183">
+                  <a:extLst>
+                    <a:ext uri="{9D8B030D-6E8A-4147-A177-3AD203B41FA5}">
+                      <a16:colId xmlns:a16="http://schemas.microsoft.com/office/drawing/2014/main" val="3446576009"/>
+                    </a:ext>
+                  </a:extLst>
+                </a:gridCol>
+                <a:gridCol w="1003610">
+                  <a:extLst>
+                    <a:ext uri="{9D8B030D-6E8A-4147-A177-3AD203B41FA5}">
+                      <a16:colId xmlns:a16="http://schemas.microsoft.com/office/drawing/2014/main" val="339314737"/>
+                    </a:ext>
+                  </a:extLst>
+                </a:gridCol>
+                <a:gridCol w="4293220">
+                  <a:extLst>
+                    <a:ext uri="{9D8B030D-6E8A-4147-A177-3AD203B41FA5}">
+                      <a16:colId xmlns:a16="http://schemas.microsoft.com/office/drawing/2014/main" val="1263998808"/>
+                    </a:ext>
+                  </a:extLst>
+                </a:gridCol>
+                <a:gridCol w="2955073">
+                  <a:extLst>
+                    <a:ext uri="{9D8B030D-6E8A-4147-A177-3AD203B41FA5}">
+                      <a16:colId xmlns:a16="http://schemas.microsoft.com/office/drawing/2014/main" val="4097899022"/>
+                    </a:ext>
+                  </a:extLst>
+                </a:gridCol>
+              </a:tblGrid>
+              <a:tr h="370840">
+                <a:tc>
+                  <a:txBody>
+                    <a:bodyPr/>
+                    <a:lstStyle/>
+                    <a:p>
+                      <a:pPr algn="l">
+                        <a:lnSpc>
+                          <a:spcPct val="100000"/>
+                        </a:lnSpc>
+                      </a:pPr>
+                      <a:r>
+                        <a:rPr lang="en-US" sz="1800" dirty="0">
+                          <a:latin typeface="+mn-lt"/>
+                        </a:rPr>
+                        <a:t>Time (MDT)</a:t>
+                      </a:r>
+                    </a:p>
+                  </a:txBody>
+                  <a:tcPr/>
+                </a:tc>
+                <a:tc>
+                  <a:txBody>
+                    <a:bodyPr/>
+                    <a:lstStyle/>
+                    <a:p>
+                      <a:pPr>
+                        <a:lnSpc>
+                          <a:spcPct val="100000"/>
+                        </a:lnSpc>
+                      </a:pPr>
+                      <a:r>
+                        <a:rPr lang="en-US" sz="1800" dirty="0">
+                          <a:latin typeface="+mn-lt"/>
+                        </a:rPr>
+                        <a:t>Module</a:t>
+                      </a:r>
+                    </a:p>
+                  </a:txBody>
+                  <a:tcPr/>
+                </a:tc>
+                <a:tc>
+                  <a:txBody>
+                    <a:bodyPr/>
+                    <a:lstStyle/>
+                    <a:p>
+                      <a:pPr>
+                        <a:lnSpc>
+                          <a:spcPct val="100000"/>
+                        </a:lnSpc>
+                      </a:pPr>
+                      <a:r>
+                        <a:rPr lang="en-US" sz="1800" dirty="0">
+                          <a:latin typeface="+mn-lt"/>
+                        </a:rPr>
+                        <a:t>Topic</a:t>
+                      </a:r>
+                    </a:p>
+                  </a:txBody>
+                  <a:tcPr/>
+                </a:tc>
+                <a:tc>
+                  <a:txBody>
+                    <a:bodyPr/>
+                    <a:lstStyle/>
+                    <a:p>
+                      <a:pPr>
+                        <a:lnSpc>
+                          <a:spcPct val="100000"/>
+                        </a:lnSpc>
+                      </a:pPr>
+                      <a:r>
+                        <a:rPr lang="en-US" sz="1800" dirty="0">
+                          <a:latin typeface="+mn-lt"/>
+                        </a:rPr>
+                        <a:t>Speaker</a:t>
+                      </a:r>
+                    </a:p>
+                  </a:txBody>
+                  <a:tcPr/>
+                </a:tc>
+                <a:extLst>
+                  <a:ext uri="{0D108BD9-81ED-4DB2-BD59-A6C34878D82A}">
+                    <a16:rowId xmlns:a16="http://schemas.microsoft.com/office/drawing/2014/main" val="3602420430"/>
+                  </a:ext>
+                </a:extLst>
+              </a:tr>
+              <a:tr h="370840">
+                <a:tc>
+                  <a:txBody>
+                    <a:bodyPr/>
+                    <a:lstStyle/>
+                    <a:p>
+                      <a:pPr rtl="0" fontAlgn="t">
+                        <a:spcBef>
+                          <a:spcPts val="0"/>
+                        </a:spcBef>
+                        <a:spcAft>
+                          <a:spcPts val="0"/>
+                        </a:spcAft>
+                      </a:pPr>
+                      <a:r>
+                        <a:rPr lang="en-US" sz="1800" b="0" i="0" u="none" strike="noStrike" dirty="0">
+                          <a:solidFill>
+                            <a:srgbClr val="000000"/>
+                          </a:solidFill>
+                          <a:effectLst/>
+                          <a:latin typeface="+mn-lt"/>
+                        </a:rPr>
+                        <a:t>1:00pm-1:05pm</a:t>
+                      </a:r>
+                      <a:endParaRPr lang="en-US" sz="1800" dirty="0">
+                        <a:effectLst/>
+                        <a:latin typeface="+mn-lt"/>
+                      </a:endParaRPr>
+                    </a:p>
+                  </a:txBody>
+                  <a:tcPr marL="63500" marR="63500" marT="63500" marB="63500"/>
+                </a:tc>
+                <a:tc>
+                  <a:txBody>
+                    <a:bodyPr/>
+                    <a:lstStyle/>
+                    <a:p>
+                      <a:pPr>
+                        <a:lnSpc>
+                          <a:spcPct val="100000"/>
+                        </a:lnSpc>
+                      </a:pPr>
+                      <a:r>
+                        <a:rPr lang="en-US" sz="1800" dirty="0">
+                          <a:latin typeface="+mn-lt"/>
+                        </a:rPr>
+                        <a:t>00</a:t>
+                      </a:r>
+                    </a:p>
+                  </a:txBody>
+                  <a:tcPr/>
+                </a:tc>
+                <a:tc>
+                  <a:txBody>
+                    <a:bodyPr/>
+                    <a:lstStyle/>
+                    <a:p>
+                      <a:pPr>
+                        <a:lnSpc>
+                          <a:spcPct val="100000"/>
+                        </a:lnSpc>
+                      </a:pPr>
+                      <a:r>
+                        <a:rPr lang="en-US" sz="1800" b="0" i="0" u="none" strike="noStrike" kern="1200" dirty="0">
+                          <a:solidFill>
+                            <a:schemeClr val="dk1"/>
+                          </a:solidFill>
+                          <a:effectLst/>
+                          <a:latin typeface="+mn-lt"/>
+                          <a:ea typeface="+mn-ea"/>
+                          <a:cs typeface="+mn-cs"/>
+                        </a:rPr>
+                        <a:t>Introduction</a:t>
+                      </a:r>
+                      <a:endParaRPr lang="en-US" sz="1800" dirty="0">
+                        <a:latin typeface="+mn-lt"/>
+                      </a:endParaRPr>
+                    </a:p>
+                  </a:txBody>
+                  <a:tcPr/>
+                </a:tc>
+                <a:tc>
+                  <a:txBody>
+                    <a:bodyPr/>
+                    <a:lstStyle/>
+                    <a:p>
+                      <a:pPr>
+                        <a:lnSpc>
+                          <a:spcPct val="100000"/>
+                        </a:lnSpc>
+                      </a:pPr>
+                      <a:r>
+                        <a:rPr lang="en-US" sz="1800" dirty="0">
+                          <a:latin typeface="+mn-lt"/>
+                        </a:rPr>
+                        <a:t>David E. Bernholdt, ORNL</a:t>
+                      </a:r>
+                    </a:p>
+                  </a:txBody>
+                  <a:tcPr/>
+                </a:tc>
+                <a:extLst>
+                  <a:ext uri="{0D108BD9-81ED-4DB2-BD59-A6C34878D82A}">
+                    <a16:rowId xmlns:a16="http://schemas.microsoft.com/office/drawing/2014/main" val="4236476034"/>
+                  </a:ext>
+                </a:extLst>
+              </a:tr>
+              <a:tr h="370840">
+                <a:tc>
+                  <a:txBody>
+                    <a:bodyPr/>
+                    <a:lstStyle/>
+                    <a:p>
+                      <a:pPr rtl="0" fontAlgn="t">
+                        <a:spcBef>
+                          <a:spcPts val="0"/>
+                        </a:spcBef>
+                        <a:spcAft>
+                          <a:spcPts val="0"/>
+                        </a:spcAft>
+                      </a:pPr>
+                      <a:r>
+                        <a:rPr lang="en-US" sz="1800" b="0" i="0" u="none" strike="noStrike" dirty="0">
+                          <a:solidFill>
+                            <a:srgbClr val="000000"/>
+                          </a:solidFill>
+                          <a:effectLst/>
+                          <a:latin typeface="+mn-lt"/>
+                        </a:rPr>
+                        <a:t>1:05pm-1:15pm</a:t>
+                      </a:r>
+                      <a:endParaRPr lang="en-US" sz="1800" dirty="0">
+                        <a:effectLst/>
+                        <a:latin typeface="+mn-lt"/>
+                      </a:endParaRPr>
+                    </a:p>
+                  </a:txBody>
+                  <a:tcPr marL="63500" marR="63500" marT="63500" marB="63500"/>
+                </a:tc>
+                <a:tc>
+                  <a:txBody>
+                    <a:bodyPr/>
+                    <a:lstStyle/>
+                    <a:p>
+                      <a:pPr marL="0" marR="0" lvl="0" indent="0" algn="l" defTabSz="914400" rtl="0" eaLnBrk="1" fontAlgn="auto" latinLnBrk="0" hangingPunct="1">
+                        <a:lnSpc>
+                          <a:spcPct val="100000"/>
+                        </a:lnSpc>
+                        <a:spcBef>
+                          <a:spcPts val="0"/>
+                        </a:spcBef>
+                        <a:spcAft>
+                          <a:spcPts val="0"/>
+                        </a:spcAft>
+                        <a:buClrTx/>
+                        <a:buSzTx/>
+                        <a:buFontTx/>
+                        <a:buNone/>
+                        <a:tabLst/>
+                        <a:defRPr/>
+                      </a:pPr>
+                      <a:r>
+                        <a:rPr lang="en-US" sz="1800" dirty="0">
+                          <a:latin typeface="+mn-lt"/>
+                        </a:rPr>
+                        <a:t>01</a:t>
+                      </a:r>
+                    </a:p>
+                  </a:txBody>
+                  <a:tcPr/>
+                </a:tc>
+                <a:tc>
+                  <a:txBody>
+                    <a:bodyPr/>
+                    <a:lstStyle/>
+                    <a:p>
+                      <a:pPr marL="0" marR="0" lvl="0" indent="0" algn="l" defTabSz="914400" rtl="0" eaLnBrk="1" fontAlgn="auto" latinLnBrk="0" hangingPunct="1">
+                        <a:lnSpc>
+                          <a:spcPct val="100000"/>
+                        </a:lnSpc>
+                        <a:spcBef>
+                          <a:spcPts val="0"/>
+                        </a:spcBef>
+                        <a:spcAft>
+                          <a:spcPts val="0"/>
+                        </a:spcAft>
+                        <a:buClrTx/>
+                        <a:buSzTx/>
+                        <a:buFontTx/>
+                        <a:buNone/>
+                        <a:tabLst/>
+                        <a:defRPr/>
+                      </a:pPr>
+                      <a:r>
+                        <a:rPr lang="en-US" sz="1800" b="0" i="0" u="none" strike="noStrike" kern="1200" dirty="0">
+                          <a:solidFill>
+                            <a:schemeClr val="dk1"/>
+                          </a:solidFill>
+                          <a:effectLst/>
+                          <a:latin typeface="+mn-lt"/>
+                          <a:ea typeface="+mn-ea"/>
+                          <a:cs typeface="+mn-cs"/>
+                        </a:rPr>
+                        <a:t>Motivation and Overview of Best Practices in HPC Software Development</a:t>
+                      </a:r>
+                      <a:endParaRPr lang="en-US" sz="1800" dirty="0">
+                        <a:latin typeface="+mn-lt"/>
+                      </a:endParaRPr>
+                    </a:p>
+                  </a:txBody>
+                  <a:tcPr/>
+                </a:tc>
+                <a:tc>
+                  <a:txBody>
+                    <a:bodyPr/>
+                    <a:lstStyle/>
+                    <a:p>
+                      <a:pPr marL="0" marR="0" lvl="0" indent="0" algn="l" defTabSz="914400" rtl="0" eaLnBrk="1" fontAlgn="auto" latinLnBrk="0" hangingPunct="1">
+                        <a:lnSpc>
+                          <a:spcPct val="100000"/>
+                        </a:lnSpc>
+                        <a:spcBef>
+                          <a:spcPts val="0"/>
+                        </a:spcBef>
+                        <a:spcAft>
+                          <a:spcPts val="0"/>
+                        </a:spcAft>
+                        <a:buClrTx/>
+                        <a:buSzTx/>
+                        <a:buFontTx/>
+                        <a:buNone/>
+                        <a:tabLst/>
+                        <a:defRPr/>
+                      </a:pPr>
+                      <a:r>
+                        <a:rPr lang="en-US" sz="1800" dirty="0">
+                          <a:latin typeface="+mn-lt"/>
+                        </a:rPr>
+                        <a:t>David E. Bernholdt, ORNL</a:t>
+                      </a:r>
+                    </a:p>
+                  </a:txBody>
+                  <a:tcPr/>
+                </a:tc>
+                <a:extLst>
+                  <a:ext uri="{0D108BD9-81ED-4DB2-BD59-A6C34878D82A}">
+                    <a16:rowId xmlns:a16="http://schemas.microsoft.com/office/drawing/2014/main" val="18592124"/>
+                  </a:ext>
+                </a:extLst>
+              </a:tr>
+              <a:tr h="370840">
+                <a:tc>
+                  <a:txBody>
+                    <a:bodyPr/>
+                    <a:lstStyle/>
+                    <a:p>
+                      <a:pPr rtl="0" fontAlgn="t">
+                        <a:spcBef>
+                          <a:spcPts val="0"/>
+                        </a:spcBef>
+                        <a:spcAft>
+                          <a:spcPts val="0"/>
+                        </a:spcAft>
+                      </a:pPr>
+                      <a:r>
+                        <a:rPr lang="en-US" sz="1800" b="0" i="0" u="none" strike="noStrike" dirty="0">
+                          <a:solidFill>
+                            <a:srgbClr val="000000"/>
+                          </a:solidFill>
+                          <a:effectLst/>
+                          <a:latin typeface="+mn-lt"/>
+                        </a:rPr>
+                        <a:t>1:15pm-1:45pm</a:t>
+                      </a:r>
+                      <a:endParaRPr lang="en-US" sz="1800" dirty="0">
+                        <a:effectLst/>
+                        <a:latin typeface="+mn-lt"/>
+                      </a:endParaRPr>
+                    </a:p>
+                  </a:txBody>
+                  <a:tcPr marL="63500" marR="63500" marT="63500" marB="63500"/>
+                </a:tc>
+                <a:tc>
+                  <a:txBody>
+                    <a:bodyPr/>
+                    <a:lstStyle/>
+                    <a:p>
+                      <a:pPr>
+                        <a:lnSpc>
+                          <a:spcPct val="100000"/>
+                        </a:lnSpc>
+                      </a:pPr>
+                      <a:r>
+                        <a:rPr lang="en-US" sz="1800" dirty="0">
+                          <a:latin typeface="+mn-lt"/>
+                        </a:rPr>
+                        <a:t>02</a:t>
+                      </a:r>
+                    </a:p>
+                  </a:txBody>
+                  <a:tcPr/>
+                </a:tc>
+                <a:tc>
+                  <a:txBody>
+                    <a:bodyPr/>
+                    <a:lstStyle/>
+                    <a:p>
+                      <a:pPr>
+                        <a:lnSpc>
+                          <a:spcPct val="100000"/>
+                        </a:lnSpc>
+                      </a:pPr>
+                      <a:r>
+                        <a:rPr lang="en-US" sz="1800" dirty="0">
+                          <a:latin typeface="+mn-lt"/>
+                        </a:rPr>
+                        <a:t>Agile Methodologies</a:t>
+                      </a:r>
+                    </a:p>
+                  </a:txBody>
+                  <a:tcPr/>
+                </a:tc>
+                <a:tc>
+                  <a:txBody>
+                    <a:bodyPr/>
+                    <a:lstStyle/>
+                    <a:p>
+                      <a:pPr>
+                        <a:lnSpc>
+                          <a:spcPct val="100000"/>
+                        </a:lnSpc>
+                      </a:pPr>
+                      <a:r>
+                        <a:rPr lang="en-US" sz="1800" dirty="0">
+                          <a:latin typeface="+mn-lt"/>
+                        </a:rPr>
+                        <a:t>Rinku K. Gupta, ANL</a:t>
+                      </a:r>
+                    </a:p>
+                  </a:txBody>
+                  <a:tcPr/>
+                </a:tc>
+                <a:extLst>
+                  <a:ext uri="{0D108BD9-81ED-4DB2-BD59-A6C34878D82A}">
+                    <a16:rowId xmlns:a16="http://schemas.microsoft.com/office/drawing/2014/main" val="3991164013"/>
+                  </a:ext>
+                </a:extLst>
+              </a:tr>
+              <a:tr h="370840">
+                <a:tc>
+                  <a:txBody>
+                    <a:bodyPr/>
+                    <a:lstStyle/>
+                    <a:p>
+                      <a:pPr rtl="0" fontAlgn="t">
+                        <a:spcBef>
+                          <a:spcPts val="0"/>
+                        </a:spcBef>
+                        <a:spcAft>
+                          <a:spcPts val="0"/>
+                        </a:spcAft>
+                      </a:pPr>
+                      <a:r>
+                        <a:rPr lang="en-US" sz="1800" dirty="0">
+                          <a:effectLst/>
+                          <a:latin typeface="+mn-lt"/>
+                        </a:rPr>
+                        <a:t>1:45pm-2:00pm</a:t>
+                      </a:r>
+                    </a:p>
+                  </a:txBody>
+                  <a:tcPr marL="63500" marR="63500" marT="63500" marB="63500"/>
+                </a:tc>
+                <a:tc>
+                  <a:txBody>
+                    <a:bodyPr/>
+                    <a:lstStyle/>
+                    <a:p>
+                      <a:pPr>
+                        <a:lnSpc>
+                          <a:spcPct val="100000"/>
+                        </a:lnSpc>
+                      </a:pPr>
+                      <a:r>
+                        <a:rPr lang="en-US" sz="1800" i="0" dirty="0">
+                          <a:solidFill>
+                            <a:schemeClr val="tx1"/>
+                          </a:solidFill>
+                          <a:latin typeface="+mn-lt"/>
+                        </a:rPr>
+                        <a:t>03</a:t>
+                      </a:r>
+                    </a:p>
+                  </a:txBody>
+                  <a:tcPr/>
+                </a:tc>
+                <a:tc>
+                  <a:txBody>
+                    <a:bodyPr/>
+                    <a:lstStyle/>
+                    <a:p>
+                      <a:pPr marL="0" marR="0" lvl="0" indent="0" algn="l" defTabSz="914400" rtl="0" eaLnBrk="1" fontAlgn="auto" latinLnBrk="0" hangingPunct="1">
+                        <a:lnSpc>
+                          <a:spcPct val="100000"/>
+                        </a:lnSpc>
+                        <a:spcBef>
+                          <a:spcPts val="0"/>
+                        </a:spcBef>
+                        <a:spcAft>
+                          <a:spcPts val="0"/>
+                        </a:spcAft>
+                        <a:buClrTx/>
+                        <a:buSzTx/>
+                        <a:buFontTx/>
+                        <a:buNone/>
+                        <a:tabLst/>
+                        <a:defRPr/>
+                      </a:pPr>
+                      <a:r>
+                        <a:rPr lang="en-US" sz="1800" b="0" i="0" u="none" strike="noStrike" kern="1200" dirty="0">
+                          <a:solidFill>
+                            <a:schemeClr val="dk1"/>
+                          </a:solidFill>
+                          <a:effectLst/>
+                          <a:latin typeface="+mn-lt"/>
+                          <a:ea typeface="+mn-ea"/>
+                          <a:cs typeface="+mn-cs"/>
+                        </a:rPr>
+                        <a:t>Git Workflows</a:t>
+                      </a:r>
+                      <a:endParaRPr lang="en-US" sz="1800" dirty="0">
+                        <a:latin typeface="+mn-lt"/>
+                      </a:endParaRPr>
+                    </a:p>
+                  </a:txBody>
+                  <a:tcPr/>
+                </a:tc>
+                <a:tc>
+                  <a:txBody>
+                    <a:bodyPr/>
+                    <a:lstStyle/>
+                    <a:p>
+                      <a:pPr>
+                        <a:lnSpc>
+                          <a:spcPct val="100000"/>
+                        </a:lnSpc>
+                      </a:pPr>
+                      <a:r>
+                        <a:rPr lang="en-US" sz="1800" dirty="0">
+                          <a:latin typeface="+mn-lt"/>
+                        </a:rPr>
+                        <a:t>Rinku K. Gupta, ANL</a:t>
+                      </a:r>
+                    </a:p>
+                  </a:txBody>
+                  <a:tcPr/>
+                </a:tc>
+                <a:extLst>
+                  <a:ext uri="{0D108BD9-81ED-4DB2-BD59-A6C34878D82A}">
+                    <a16:rowId xmlns:a16="http://schemas.microsoft.com/office/drawing/2014/main" val="1350023114"/>
+                  </a:ext>
+                </a:extLst>
+              </a:tr>
+              <a:tr h="370840">
+                <a:tc>
+                  <a:txBody>
+                    <a:bodyPr/>
+                    <a:lstStyle/>
+                    <a:p>
+                      <a:pPr rtl="0" fontAlgn="t">
+                        <a:spcBef>
+                          <a:spcPts val="0"/>
+                        </a:spcBef>
+                        <a:spcAft>
+                          <a:spcPts val="0"/>
+                        </a:spcAft>
+                      </a:pPr>
+                      <a:r>
+                        <a:rPr lang="en-US" sz="1800" b="0" i="0" u="none" strike="noStrike" dirty="0">
+                          <a:solidFill>
+                            <a:schemeClr val="tx1"/>
+                          </a:solidFill>
+                          <a:effectLst/>
+                          <a:latin typeface="+mn-lt"/>
+                        </a:rPr>
+                        <a:t>2:00pm-2:20pm</a:t>
+                      </a:r>
+                      <a:endParaRPr lang="en-US" sz="1800" i="0" dirty="0">
+                        <a:solidFill>
+                          <a:schemeClr val="tx1"/>
+                        </a:solidFill>
+                        <a:effectLst/>
+                        <a:latin typeface="+mn-lt"/>
+                      </a:endParaRPr>
+                    </a:p>
+                  </a:txBody>
+                  <a:tcPr marL="63500" marR="63500" marT="63500" marB="63500"/>
+                </a:tc>
+                <a:tc>
+                  <a:txBody>
+                    <a:bodyPr/>
+                    <a:lstStyle/>
+                    <a:p>
+                      <a:pPr>
+                        <a:lnSpc>
+                          <a:spcPct val="100000"/>
+                        </a:lnSpc>
+                      </a:pPr>
+                      <a:r>
+                        <a:rPr lang="en-US" sz="1800" i="0" dirty="0">
+                          <a:solidFill>
+                            <a:schemeClr val="tx1"/>
+                          </a:solidFill>
+                          <a:latin typeface="+mn-lt"/>
+                        </a:rPr>
+                        <a:t>04</a:t>
+                      </a:r>
+                    </a:p>
+                  </a:txBody>
+                  <a:tcPr/>
+                </a:tc>
+                <a:tc>
+                  <a:txBody>
+                    <a:bodyPr/>
+                    <a:lstStyle/>
+                    <a:p>
+                      <a:pPr marL="0" marR="0" lvl="0" indent="0" algn="l" defTabSz="914400" rtl="0" eaLnBrk="1" fontAlgn="auto" latinLnBrk="0" hangingPunct="1">
+                        <a:lnSpc>
+                          <a:spcPct val="100000"/>
+                        </a:lnSpc>
+                        <a:spcBef>
+                          <a:spcPts val="0"/>
+                        </a:spcBef>
+                        <a:spcAft>
+                          <a:spcPts val="0"/>
+                        </a:spcAft>
+                        <a:buClrTx/>
+                        <a:buSzTx/>
+                        <a:buFontTx/>
+                        <a:buNone/>
+                        <a:tabLst/>
+                        <a:defRPr/>
+                      </a:pPr>
+                      <a:r>
+                        <a:rPr lang="en-US" sz="1800" i="0" dirty="0">
+                          <a:solidFill>
+                            <a:schemeClr val="tx1"/>
+                          </a:solidFill>
+                          <a:latin typeface="+mn-lt"/>
+                        </a:rPr>
+                        <a:t>Software Testing 1</a:t>
+                      </a:r>
+                    </a:p>
+                  </a:txBody>
+                  <a:tcPr/>
+                </a:tc>
+                <a:tc>
+                  <a:txBody>
+                    <a:bodyPr/>
+                    <a:lstStyle/>
+                    <a:p>
+                      <a:pPr>
+                        <a:lnSpc>
+                          <a:spcPct val="100000"/>
+                        </a:lnSpc>
+                      </a:pPr>
+                      <a:r>
+                        <a:rPr lang="en-US" sz="1800" i="0" dirty="0">
+                          <a:solidFill>
+                            <a:schemeClr val="tx1"/>
+                          </a:solidFill>
+                          <a:latin typeface="+mn-lt"/>
+                        </a:rPr>
+                        <a:t>David M. Rogers, ORNL</a:t>
+                      </a:r>
+                    </a:p>
+                  </a:txBody>
+                  <a:tcPr/>
+                </a:tc>
+                <a:extLst>
+                  <a:ext uri="{0D108BD9-81ED-4DB2-BD59-A6C34878D82A}">
+                    <a16:rowId xmlns:a16="http://schemas.microsoft.com/office/drawing/2014/main" val="1922613886"/>
+                  </a:ext>
+                </a:extLst>
+              </a:tr>
+              <a:tr h="370840">
+                <a:tc>
+                  <a:txBody>
+                    <a:bodyPr/>
+                    <a:lstStyle/>
+                    <a:p>
+                      <a:pPr rtl="0" fontAlgn="t">
+                        <a:spcBef>
+                          <a:spcPts val="0"/>
+                        </a:spcBef>
+                        <a:spcAft>
+                          <a:spcPts val="0"/>
+                        </a:spcAft>
+                      </a:pPr>
+                      <a:r>
+                        <a:rPr lang="en-US" sz="1800" b="0" i="1" u="none" strike="noStrike" dirty="0">
+                          <a:solidFill>
+                            <a:schemeClr val="tx2"/>
+                          </a:solidFill>
+                          <a:effectLst/>
+                          <a:latin typeface="+mn-lt"/>
+                        </a:rPr>
+                        <a:t>2:20pm-2:40pm</a:t>
+                      </a:r>
+                      <a:endParaRPr lang="en-US" sz="1800" i="1" dirty="0">
+                        <a:solidFill>
+                          <a:schemeClr val="tx2"/>
+                        </a:solidFill>
+                        <a:effectLst/>
+                        <a:latin typeface="+mn-lt"/>
+                      </a:endParaRPr>
+                    </a:p>
+                  </a:txBody>
+                  <a:tcPr marL="63500" marR="63500" marT="63500" marB="63500"/>
+                </a:tc>
+                <a:tc>
+                  <a:txBody>
+                    <a:bodyPr/>
+                    <a:lstStyle/>
+                    <a:p>
+                      <a:pPr>
+                        <a:lnSpc>
+                          <a:spcPct val="100000"/>
+                        </a:lnSpc>
+                      </a:pPr>
+                      <a:endParaRPr lang="en-US" sz="1800" i="1" dirty="0">
+                        <a:solidFill>
+                          <a:schemeClr val="tx2"/>
+                        </a:solidFill>
+                        <a:latin typeface="+mn-lt"/>
+                      </a:endParaRPr>
+                    </a:p>
+                  </a:txBody>
+                  <a:tcPr/>
+                </a:tc>
+                <a:tc>
+                  <a:txBody>
+                    <a:bodyPr/>
+                    <a:lstStyle/>
+                    <a:p>
+                      <a:pPr>
+                        <a:lnSpc>
+                          <a:spcPct val="100000"/>
+                        </a:lnSpc>
+                      </a:pPr>
+                      <a:r>
+                        <a:rPr lang="en-US" sz="1800" i="1" dirty="0">
+                          <a:solidFill>
+                            <a:schemeClr val="tx2"/>
+                          </a:solidFill>
+                          <a:latin typeface="+mn-lt"/>
+                        </a:rPr>
+                        <a:t>Break (optional Q&amp;A)</a:t>
+                      </a:r>
+                    </a:p>
+                  </a:txBody>
+                  <a:tcPr/>
+                </a:tc>
+                <a:tc>
+                  <a:txBody>
+                    <a:bodyPr/>
+                    <a:lstStyle/>
+                    <a:p>
+                      <a:pPr>
+                        <a:lnSpc>
+                          <a:spcPct val="100000"/>
+                        </a:lnSpc>
+                      </a:pPr>
+                      <a:r>
+                        <a:rPr lang="en-US" sz="1800" i="1" dirty="0">
+                          <a:solidFill>
+                            <a:schemeClr val="tx2"/>
+                          </a:solidFill>
+                          <a:latin typeface="+mn-lt"/>
+                        </a:rPr>
+                        <a:t>All</a:t>
+                      </a:r>
+                    </a:p>
+                  </a:txBody>
+                  <a:tcPr/>
+                </a:tc>
+                <a:extLst>
+                  <a:ext uri="{0D108BD9-81ED-4DB2-BD59-A6C34878D82A}">
+                    <a16:rowId xmlns:a16="http://schemas.microsoft.com/office/drawing/2014/main" val="4193880066"/>
+                  </a:ext>
+                </a:extLst>
+              </a:tr>
+              <a:tr h="370840">
+                <a:tc>
+                  <a:txBody>
+                    <a:bodyPr/>
+                    <a:lstStyle/>
+                    <a:p>
+                      <a:pPr rtl="0" fontAlgn="t">
+                        <a:spcBef>
+                          <a:spcPts val="0"/>
+                        </a:spcBef>
+                        <a:spcAft>
+                          <a:spcPts val="0"/>
+                        </a:spcAft>
+                      </a:pPr>
+                      <a:r>
+                        <a:rPr lang="en-US" sz="1800" b="0" i="0" u="none" strike="noStrike" dirty="0">
+                          <a:solidFill>
+                            <a:srgbClr val="000000"/>
+                          </a:solidFill>
+                          <a:effectLst/>
+                          <a:latin typeface="+mn-lt"/>
+                        </a:rPr>
+                        <a:t>2:40pm-3:00pm</a:t>
+                      </a:r>
+                      <a:endParaRPr lang="en-US" sz="1800" dirty="0">
+                        <a:effectLst/>
+                        <a:latin typeface="+mn-lt"/>
+                      </a:endParaRPr>
+                    </a:p>
+                  </a:txBody>
+                  <a:tcPr marL="63500" marR="63500" marT="63500" marB="63500"/>
+                </a:tc>
+                <a:tc>
+                  <a:txBody>
+                    <a:bodyPr/>
+                    <a:lstStyle/>
+                    <a:p>
+                      <a:pPr>
+                        <a:lnSpc>
+                          <a:spcPct val="100000"/>
+                        </a:lnSpc>
+                      </a:pPr>
+                      <a:r>
+                        <a:rPr lang="en-US" sz="1800" i="0" dirty="0">
+                          <a:latin typeface="+mn-lt"/>
+                        </a:rPr>
+                        <a:t>05</a:t>
+                      </a:r>
+                    </a:p>
+                  </a:txBody>
+                  <a:tcPr/>
+                </a:tc>
+                <a:tc>
+                  <a:txBody>
+                    <a:bodyPr/>
+                    <a:lstStyle/>
+                    <a:p>
+                      <a:pPr marL="0" marR="0" lvl="0" indent="0" algn="l" defTabSz="914400" rtl="0" eaLnBrk="1" fontAlgn="auto" latinLnBrk="0" hangingPunct="1">
+                        <a:lnSpc>
+                          <a:spcPct val="100000"/>
+                        </a:lnSpc>
+                        <a:spcBef>
+                          <a:spcPts val="0"/>
+                        </a:spcBef>
+                        <a:spcAft>
+                          <a:spcPts val="0"/>
+                        </a:spcAft>
+                        <a:buClrTx/>
+                        <a:buSzTx/>
+                        <a:buFontTx/>
+                        <a:buNone/>
+                        <a:tabLst/>
+                        <a:defRPr/>
+                      </a:pPr>
+                      <a:r>
+                        <a:rPr lang="en-US" sz="1800" b="0" i="0" u="none" strike="noStrike" kern="1200" dirty="0">
+                          <a:solidFill>
+                            <a:schemeClr val="tx1"/>
+                          </a:solidFill>
+                          <a:effectLst/>
+                          <a:latin typeface="+mn-lt"/>
+                          <a:ea typeface="+mn-ea"/>
+                          <a:cs typeface="+mn-cs"/>
+                        </a:rPr>
+                        <a:t>Software Design</a:t>
+                      </a:r>
+                    </a:p>
+                  </a:txBody>
+                  <a:tcPr/>
+                </a:tc>
+                <a:tc>
+                  <a:txBody>
+                    <a:bodyPr/>
+                    <a:lstStyle/>
+                    <a:p>
+                      <a:pPr>
+                        <a:lnSpc>
+                          <a:spcPct val="100000"/>
+                        </a:lnSpc>
+                      </a:pPr>
+                      <a:r>
+                        <a:rPr lang="en-US" sz="1800" dirty="0">
+                          <a:latin typeface="+mn-lt"/>
+                        </a:rPr>
+                        <a:t>Anshu Dubey, ANL</a:t>
+                      </a:r>
+                    </a:p>
+                  </a:txBody>
+                  <a:tcPr/>
+                </a:tc>
+                <a:extLst>
+                  <a:ext uri="{0D108BD9-81ED-4DB2-BD59-A6C34878D82A}">
+                    <a16:rowId xmlns:a16="http://schemas.microsoft.com/office/drawing/2014/main" val="2444169840"/>
+                  </a:ext>
+                </a:extLst>
+              </a:tr>
+              <a:tr h="370840">
+                <a:tc>
+                  <a:txBody>
+                    <a:bodyPr/>
+                    <a:lstStyle/>
+                    <a:p>
+                      <a:pPr rtl="0" fontAlgn="t">
+                        <a:spcBef>
+                          <a:spcPts val="0"/>
+                        </a:spcBef>
+                        <a:spcAft>
+                          <a:spcPts val="0"/>
+                        </a:spcAft>
+                      </a:pPr>
+                      <a:r>
+                        <a:rPr lang="en-US" sz="1800" dirty="0">
+                          <a:effectLst/>
+                          <a:latin typeface="+mn-lt"/>
+                        </a:rPr>
+                        <a:t>3:00pm-3:15pm</a:t>
+                      </a:r>
+                    </a:p>
+                  </a:txBody>
+                  <a:tcPr marL="63500" marR="63500" marT="63500" marB="63500"/>
+                </a:tc>
+                <a:tc>
+                  <a:txBody>
+                    <a:bodyPr/>
+                    <a:lstStyle/>
+                    <a:p>
+                      <a:pPr>
+                        <a:lnSpc>
+                          <a:spcPct val="100000"/>
+                        </a:lnSpc>
+                      </a:pPr>
+                      <a:r>
+                        <a:rPr lang="en-US" sz="1800" i="0" dirty="0">
+                          <a:latin typeface="+mn-lt"/>
+                        </a:rPr>
+                        <a:t>06</a:t>
+                      </a:r>
+                    </a:p>
+                  </a:txBody>
+                  <a:tcPr/>
+                </a:tc>
+                <a:tc>
+                  <a:txBody>
+                    <a:bodyPr/>
+                    <a:lstStyle/>
+                    <a:p>
+                      <a:pPr>
+                        <a:lnSpc>
+                          <a:spcPct val="100000"/>
+                        </a:lnSpc>
+                      </a:pPr>
+                      <a:r>
+                        <a:rPr lang="en-US" sz="1800" i="0" dirty="0">
+                          <a:latin typeface="+mn-lt"/>
+                        </a:rPr>
+                        <a:t>Software Testing 2</a:t>
+                      </a:r>
+                    </a:p>
+                  </a:txBody>
+                  <a:tcPr/>
+                </a:tc>
+                <a:tc>
+                  <a:txBody>
+                    <a:bodyPr/>
+                    <a:lstStyle/>
+                    <a:p>
+                      <a:pPr marL="0" marR="0" lvl="0" indent="0" algn="l" defTabSz="914400" rtl="0" eaLnBrk="1" fontAlgn="auto" latinLnBrk="0" hangingPunct="1">
+                        <a:lnSpc>
+                          <a:spcPct val="100000"/>
+                        </a:lnSpc>
+                        <a:spcBef>
+                          <a:spcPts val="0"/>
+                        </a:spcBef>
+                        <a:spcAft>
+                          <a:spcPts val="0"/>
+                        </a:spcAft>
+                        <a:buClrTx/>
+                        <a:buSzTx/>
+                        <a:buFontTx/>
+                        <a:buNone/>
+                        <a:tabLst/>
+                        <a:defRPr/>
+                      </a:pPr>
+                      <a:r>
+                        <a:rPr lang="en-US" sz="1800" i="0" dirty="0">
+                          <a:solidFill>
+                            <a:schemeClr val="tx1"/>
+                          </a:solidFill>
+                          <a:latin typeface="+mn-lt"/>
+                        </a:rPr>
+                        <a:t>David M. Rogers</a:t>
+                      </a:r>
+                    </a:p>
+                  </a:txBody>
+                  <a:tcPr/>
+                </a:tc>
+                <a:extLst>
+                  <a:ext uri="{0D108BD9-81ED-4DB2-BD59-A6C34878D82A}">
+                    <a16:rowId xmlns:a16="http://schemas.microsoft.com/office/drawing/2014/main" val="387858574"/>
+                  </a:ext>
+                </a:extLst>
+              </a:tr>
+              <a:tr h="370840">
+                <a:tc>
+                  <a:txBody>
+                    <a:bodyPr/>
+                    <a:lstStyle/>
+                    <a:p>
+                      <a:pPr rtl="0" fontAlgn="t">
+                        <a:spcBef>
+                          <a:spcPts val="0"/>
+                        </a:spcBef>
+                        <a:spcAft>
+                          <a:spcPts val="0"/>
+                        </a:spcAft>
+                      </a:pPr>
+                      <a:r>
+                        <a:rPr lang="en-US" sz="1800" dirty="0">
+                          <a:effectLst/>
+                          <a:latin typeface="+mn-lt"/>
+                        </a:rPr>
+                        <a:t>3:15pm-3:40pm</a:t>
+                      </a:r>
+                    </a:p>
+                  </a:txBody>
+                  <a:tcPr marL="63500" marR="63500" marT="63500" marB="63500"/>
+                </a:tc>
+                <a:tc>
+                  <a:txBody>
+                    <a:bodyPr/>
+                    <a:lstStyle/>
+                    <a:p>
+                      <a:pPr>
+                        <a:lnSpc>
+                          <a:spcPct val="100000"/>
+                        </a:lnSpc>
+                      </a:pPr>
+                      <a:r>
+                        <a:rPr lang="en-US" sz="1800" i="0" dirty="0">
+                          <a:latin typeface="+mn-lt"/>
+                        </a:rPr>
+                        <a:t>07</a:t>
+                      </a:r>
+                    </a:p>
+                  </a:txBody>
+                  <a:tcPr/>
+                </a:tc>
+                <a:tc>
+                  <a:txBody>
+                    <a:bodyPr/>
+                    <a:lstStyle/>
+                    <a:p>
+                      <a:pPr>
+                        <a:lnSpc>
+                          <a:spcPct val="100000"/>
+                        </a:lnSpc>
+                      </a:pPr>
+                      <a:r>
+                        <a:rPr lang="en-US" sz="1800" i="0" dirty="0">
+                          <a:latin typeface="+mn-lt"/>
+                        </a:rPr>
+                        <a:t>Refactoring</a:t>
+                      </a:r>
+                    </a:p>
+                  </a:txBody>
+                  <a:tcPr/>
+                </a:tc>
+                <a:tc>
+                  <a:txBody>
+                    <a:bodyPr/>
+                    <a:lstStyle/>
+                    <a:p>
+                      <a:pPr>
+                        <a:lnSpc>
+                          <a:spcPct val="100000"/>
+                        </a:lnSpc>
+                      </a:pPr>
+                      <a:r>
+                        <a:rPr lang="en-US" sz="1800" dirty="0">
+                          <a:latin typeface="+mn-lt"/>
+                        </a:rPr>
+                        <a:t>Anshu Dubey, ANL</a:t>
+                      </a:r>
+                    </a:p>
+                  </a:txBody>
+                  <a:tcPr/>
+                </a:tc>
+                <a:extLst>
+                  <a:ext uri="{0D108BD9-81ED-4DB2-BD59-A6C34878D82A}">
+                    <a16:rowId xmlns:a16="http://schemas.microsoft.com/office/drawing/2014/main" val="2446830301"/>
+                  </a:ext>
+                </a:extLst>
+              </a:tr>
+              <a:tr h="370840">
+                <a:tc>
+                  <a:txBody>
+                    <a:bodyPr/>
+                    <a:lstStyle/>
+                    <a:p>
+                      <a:pPr rtl="0" fontAlgn="t">
+                        <a:spcBef>
+                          <a:spcPts val="0"/>
+                        </a:spcBef>
+                        <a:spcAft>
+                          <a:spcPts val="0"/>
+                        </a:spcAft>
+                      </a:pPr>
+                      <a:r>
+                        <a:rPr lang="en-US" sz="1800" dirty="0">
+                          <a:effectLst/>
+                          <a:latin typeface="+mn-lt"/>
+                        </a:rPr>
+                        <a:t>3:40pm-3:55pm</a:t>
+                      </a:r>
+                    </a:p>
+                  </a:txBody>
+                  <a:tcPr marL="63500" marR="63500" marT="63500" marB="63500"/>
+                </a:tc>
+                <a:tc>
+                  <a:txBody>
+                    <a:bodyPr/>
+                    <a:lstStyle/>
+                    <a:p>
+                      <a:pPr>
+                        <a:lnSpc>
+                          <a:spcPct val="100000"/>
+                        </a:lnSpc>
+                      </a:pPr>
+                      <a:r>
+                        <a:rPr lang="en-US" sz="1800" i="0" dirty="0">
+                          <a:latin typeface="+mn-lt"/>
+                        </a:rPr>
+                        <a:t>08</a:t>
+                      </a:r>
+                    </a:p>
+                  </a:txBody>
+                  <a:tcPr/>
+                </a:tc>
+                <a:tc>
+                  <a:txBody>
+                    <a:bodyPr/>
+                    <a:lstStyle/>
+                    <a:p>
+                      <a:pPr>
+                        <a:lnSpc>
+                          <a:spcPct val="100000"/>
+                        </a:lnSpc>
+                      </a:pPr>
+                      <a:r>
+                        <a:rPr lang="en-US" sz="1800" i="0" dirty="0">
+                          <a:latin typeface="+mn-lt"/>
+                        </a:rPr>
+                        <a:t>Reproducibility</a:t>
+                      </a:r>
+                    </a:p>
+                  </a:txBody>
+                  <a:tcPr/>
+                </a:tc>
+                <a:tc>
+                  <a:txBody>
+                    <a:bodyPr/>
+                    <a:lstStyle/>
+                    <a:p>
+                      <a:pPr>
+                        <a:lnSpc>
+                          <a:spcPct val="100000"/>
+                        </a:lnSpc>
+                      </a:pPr>
+                      <a:r>
+                        <a:rPr lang="en-US" sz="1800" dirty="0">
+                          <a:latin typeface="+mn-lt"/>
+                        </a:rPr>
+                        <a:t>David E. Bernholdt, ORNL</a:t>
+                      </a:r>
+                    </a:p>
+                  </a:txBody>
+                  <a:tcPr/>
+                </a:tc>
+                <a:extLst>
+                  <a:ext uri="{0D108BD9-81ED-4DB2-BD59-A6C34878D82A}">
+                    <a16:rowId xmlns:a16="http://schemas.microsoft.com/office/drawing/2014/main" val="1746784610"/>
+                  </a:ext>
+                </a:extLst>
+              </a:tr>
+              <a:tr h="370840">
+                <a:tc>
+                  <a:txBody>
+                    <a:bodyPr/>
+                    <a:lstStyle/>
+                    <a:p>
+                      <a:pPr rtl="0" fontAlgn="t">
+                        <a:spcBef>
+                          <a:spcPts val="0"/>
+                        </a:spcBef>
+                        <a:spcAft>
+                          <a:spcPts val="0"/>
+                        </a:spcAft>
+                      </a:pPr>
+                      <a:r>
+                        <a:rPr lang="en-US" sz="1800" dirty="0">
+                          <a:effectLst/>
+                          <a:latin typeface="+mn-lt"/>
+                        </a:rPr>
+                        <a:t>3:55pm-4:00pm</a:t>
+                      </a:r>
+                    </a:p>
+                  </a:txBody>
+                  <a:tcPr marL="63500" marR="63500" marT="63500" marB="63500"/>
+                </a:tc>
+                <a:tc>
+                  <a:txBody>
+                    <a:bodyPr/>
+                    <a:lstStyle/>
+                    <a:p>
+                      <a:pPr>
+                        <a:lnSpc>
+                          <a:spcPct val="100000"/>
+                        </a:lnSpc>
+                      </a:pPr>
+                      <a:r>
+                        <a:rPr lang="en-US" sz="1800" i="0" dirty="0">
+                          <a:latin typeface="+mn-lt"/>
+                        </a:rPr>
+                        <a:t>09</a:t>
+                      </a:r>
+                    </a:p>
+                  </a:txBody>
+                  <a:tcPr/>
+                </a:tc>
+                <a:tc>
+                  <a:txBody>
+                    <a:bodyPr/>
+                    <a:lstStyle/>
+                    <a:p>
+                      <a:pPr>
+                        <a:lnSpc>
+                          <a:spcPct val="100000"/>
+                        </a:lnSpc>
+                      </a:pPr>
+                      <a:r>
+                        <a:rPr lang="en-US" sz="1800" i="0" dirty="0">
+                          <a:latin typeface="+mn-lt"/>
+                        </a:rPr>
+                        <a:t>Summary</a:t>
+                      </a:r>
+                    </a:p>
+                  </a:txBody>
+                  <a:tcPr/>
+                </a:tc>
+                <a:tc>
+                  <a:txBody>
+                    <a:bodyPr/>
+                    <a:lstStyle/>
+                    <a:p>
+                      <a:pPr>
+                        <a:lnSpc>
+                          <a:spcPct val="100000"/>
+                        </a:lnSpc>
+                      </a:pPr>
+                      <a:r>
+                        <a:rPr lang="en-US" sz="1800" dirty="0">
+                          <a:latin typeface="+mn-lt"/>
+                        </a:rPr>
+                        <a:t>David E. Bernholdt, ORNL</a:t>
+                      </a:r>
+                    </a:p>
+                  </a:txBody>
+                  <a:tcPr/>
+                </a:tc>
+                <a:extLst>
+                  <a:ext uri="{0D108BD9-81ED-4DB2-BD59-A6C34878D82A}">
+                    <a16:rowId xmlns:a16="http://schemas.microsoft.com/office/drawing/2014/main" val="127038030"/>
+                  </a:ext>
+                </a:extLst>
+              </a:tr>
+            </a:tbl>
+          </a:graphicData>
+        </a:graphic>
+      </p:graphicFrame>
+      <p:grpSp>
+        <p:nvGrpSpPr>
+          <p:cNvPr id="5" name="Group 4">
+            <a:extLst>
+              <a:ext uri="{FF2B5EF4-FFF2-40B4-BE49-F238E27FC236}">
+                <a16:creationId xmlns:a16="http://schemas.microsoft.com/office/drawing/2014/main" id="{E481C384-B67A-4E1A-9712-8751F487059D}"/>
+              </a:ext>
+            </a:extLst>
+          </p:cNvPr>
+          <p:cNvGrpSpPr/>
+          <p:nvPr/>
+        </p:nvGrpSpPr>
+        <p:grpSpPr>
+          <a:xfrm>
+            <a:off x="649538" y="4115336"/>
+            <a:ext cx="10909739" cy="390939"/>
+            <a:chOff x="79513" y="1653208"/>
+            <a:chExt cx="12029799" cy="390939"/>
+          </a:xfrm>
+        </p:grpSpPr>
+        <p:cxnSp>
+          <p:nvCxnSpPr>
+            <p:cNvPr id="6" name="Straight Connector 5">
+              <a:extLst>
+                <a:ext uri="{FF2B5EF4-FFF2-40B4-BE49-F238E27FC236}">
+                  <a16:creationId xmlns:a16="http://schemas.microsoft.com/office/drawing/2014/main" id="{81FDDF4F-CEBB-4DB2-B54C-DBAC5A6EF985}"/>
+                </a:ext>
+              </a:extLst>
+            </p:cNvPr>
+            <p:cNvCxnSpPr>
+              <a:cxnSpLocks/>
+            </p:cNvCxnSpPr>
+            <p:nvPr/>
+          </p:nvCxnSpPr>
+          <p:spPr>
+            <a:xfrm>
+              <a:off x="530679" y="1848678"/>
+              <a:ext cx="11127467" cy="0"/>
+            </a:xfrm>
+            <a:prstGeom prst="line">
+              <a:avLst/>
+            </a:prstGeom>
+            <a:ln w="76200">
+              <a:solidFill>
+                <a:srgbClr val="FF0000"/>
+              </a:solidFill>
+            </a:ln>
+          </p:spPr>
+          <p:style>
+            <a:lnRef idx="1">
+              <a:schemeClr val="accent1"/>
+            </a:lnRef>
+            <a:fillRef idx="0">
+              <a:schemeClr val="accent1"/>
+            </a:fillRef>
+            <a:effectRef idx="0">
+              <a:schemeClr val="accent1"/>
+            </a:effectRef>
+            <a:fontRef idx="minor">
+              <a:schemeClr val="tx1"/>
+            </a:fontRef>
+          </p:style>
+        </p:cxnSp>
+        <p:sp>
+          <p:nvSpPr>
+            <p:cNvPr id="7" name="Arrow: Right 7">
+              <a:extLst>
+                <a:ext uri="{FF2B5EF4-FFF2-40B4-BE49-F238E27FC236}">
+                  <a16:creationId xmlns:a16="http://schemas.microsoft.com/office/drawing/2014/main" id="{7844F343-E894-4FE0-A6FA-018D93AF813D}"/>
+                </a:ext>
+              </a:extLst>
+            </p:cNvPr>
+            <p:cNvSpPr/>
+            <p:nvPr/>
+          </p:nvSpPr>
+          <p:spPr>
+            <a:xfrm>
+              <a:off x="79513" y="1653208"/>
+              <a:ext cx="451166" cy="390939"/>
+            </a:xfrm>
+            <a:prstGeom prst="rightArrow">
+              <a:avLst/>
+            </a:prstGeom>
+            <a:solidFill>
+              <a:srgbClr val="FF0000"/>
+            </a:solidFill>
+            <a:ln>
+              <a:solidFill>
+                <a:srgbClr val="FF0000"/>
+              </a:solidFill>
+            </a:ln>
+            <a:effectLst/>
+            <a:scene3d>
+              <a:camera prst="orthographicFront">
+                <a:rot lat="0" lon="0" rev="0"/>
+              </a:camera>
+              <a:lightRig rig="threePt" dir="t">
+                <a:rot lat="0" lon="0" rev="1200000"/>
+              </a:lightRig>
+            </a:scene3d>
+            <a:sp3d/>
+          </p:spPr>
+          <p:style>
+            <a:lnRef idx="0">
+              <a:schemeClr val="accent1"/>
+            </a:lnRef>
+            <a:fillRef idx="3">
+              <a:schemeClr val="accent1"/>
+            </a:fillRef>
+            <a:effectRef idx="3">
+              <a:schemeClr val="accent1"/>
+            </a:effectRef>
+            <a:fontRef idx="minor">
+              <a:schemeClr val="lt1"/>
+            </a:fontRef>
+          </p:style>
+          <p:txBody>
+            <a:bodyPr rot="0" spcFirstLastPara="0" vertOverflow="overflow" horzOverflow="overflow" vert="horz" wrap="square" lIns="45720" tIns="45720" rIns="45720" bIns="45720" numCol="1" spcCol="0" rtlCol="0" fromWordArt="0" anchor="ctr" anchorCtr="0" forceAA="0" compatLnSpc="1">
+              <a:prstTxWarp prst="textNoShape">
+                <a:avLst/>
+              </a:prstTxWarp>
+              <a:noAutofit/>
+            </a:bodyPr>
+            <a:lstStyle/>
+            <a:p>
+              <a:pPr algn="ctr">
+                <a:lnSpc>
+                  <a:spcPct val="90000"/>
+                </a:lnSpc>
+              </a:pPr>
+              <a:endParaRPr lang="en-US" dirty="0">
+                <a:solidFill>
+                  <a:schemeClr val="tx1"/>
+                </a:solidFill>
+              </a:endParaRPr>
+            </a:p>
+          </p:txBody>
+        </p:sp>
+        <p:sp>
+          <p:nvSpPr>
+            <p:cNvPr id="8" name="Arrow: Right 8">
+              <a:extLst>
+                <a:ext uri="{FF2B5EF4-FFF2-40B4-BE49-F238E27FC236}">
+                  <a16:creationId xmlns:a16="http://schemas.microsoft.com/office/drawing/2014/main" id="{BBFB6C66-6CBA-4D40-8622-561E8F751365}"/>
+                </a:ext>
+              </a:extLst>
+            </p:cNvPr>
+            <p:cNvSpPr/>
+            <p:nvPr/>
+          </p:nvSpPr>
+          <p:spPr>
+            <a:xfrm rot="10800000">
+              <a:off x="11658146" y="1653208"/>
+              <a:ext cx="451166" cy="390939"/>
+            </a:xfrm>
+            <a:prstGeom prst="rightArrow">
+              <a:avLst/>
+            </a:prstGeom>
+            <a:solidFill>
+              <a:srgbClr val="FF0000"/>
+            </a:solidFill>
+            <a:ln>
+              <a:solidFill>
+                <a:srgbClr val="FF0000"/>
+              </a:solidFill>
+            </a:ln>
+            <a:effectLst/>
+            <a:scene3d>
+              <a:camera prst="orthographicFront">
+                <a:rot lat="0" lon="0" rev="0"/>
+              </a:camera>
+              <a:lightRig rig="threePt" dir="t">
+                <a:rot lat="0" lon="0" rev="1200000"/>
+              </a:lightRig>
+            </a:scene3d>
+            <a:sp3d/>
+          </p:spPr>
+          <p:style>
+            <a:lnRef idx="0">
+              <a:schemeClr val="accent1"/>
+            </a:lnRef>
+            <a:fillRef idx="3">
+              <a:schemeClr val="accent1"/>
+            </a:fillRef>
+            <a:effectRef idx="3">
+              <a:schemeClr val="accent1"/>
+            </a:effectRef>
+            <a:fontRef idx="minor">
+              <a:schemeClr val="lt1"/>
+            </a:fontRef>
+          </p:style>
+          <p:txBody>
+            <a:bodyPr rot="0" spcFirstLastPara="0" vertOverflow="overflow" horzOverflow="overflow" vert="horz" wrap="square" lIns="45720" tIns="45720" rIns="45720" bIns="45720" numCol="1" spcCol="0" rtlCol="0" fromWordArt="0" anchor="ctr" anchorCtr="0" forceAA="0" compatLnSpc="1">
+              <a:prstTxWarp prst="textNoShape">
+                <a:avLst/>
+              </a:prstTxWarp>
+              <a:noAutofit/>
+            </a:bodyPr>
+            <a:lstStyle/>
+            <a:p>
+              <a:pPr algn="ctr">
+                <a:lnSpc>
+                  <a:spcPct val="90000"/>
+                </a:lnSpc>
+              </a:pPr>
+              <a:endParaRPr lang="en-US" dirty="0">
+                <a:solidFill>
+                  <a:schemeClr val="tx1"/>
+                </a:solidFill>
+              </a:endParaRPr>
+            </a:p>
+          </p:txBody>
+        </p:sp>
+      </p:grpSp>
+    </p:spTree>
+    <p:extLst>
+      <p:ext uri="{BB962C8B-B14F-4D97-AF65-F5344CB8AC3E}">
+        <p14:creationId xmlns:p14="http://schemas.microsoft.com/office/powerpoint/2010/main" val="2028086049"/>
+      </p:ext>
+    </p:extLst>
+  </p:cSld>
+  <p:clrMapOvr>
+    <a:masterClrMapping/>
+  </p:clrMapOvr>
+</p:sld>
+</file>
+
 <file path=ppt/slides/slide2.xml><?xml version="1.0" encoding="utf-8"?>
 <p:sld xmlns:a="http://schemas.openxmlformats.org/drawingml/2006/main" xmlns:r="http://schemas.openxmlformats.org/officeDocument/2006/relationships" xmlns:p="http://schemas.openxmlformats.org/presentationml/2006/main">
   <p:cSld>
@@ -15524,13 +17100,13 @@
             </a:pPr>
             <a:r>
               <a:rPr lang="en-US" sz="1600" b="1" dirty="0"/>
-              <a:t>The requested citation the overall tutorial is: David E. Bernholdt, Anshu Dubey, Patricia A. Grubel, Rinku K. Gupta, Better Scientific Software tutorial, in SC ‘20: International Conference for High Performance Computing, Networking, Storage and Analysis, online, 2020. DOI: </a:t>
+              <a:t>The requested citation the overall tutorial is: David E. Bernholdt, Anshu Dubey, Rinku K. Gupta, and David M. Rogers, Better Scientific Software tutorial, in Improving Scientific Software conference, online, 2021. DOI: </a:t>
             </a:r>
             <a:r>
               <a:rPr lang="en-US" sz="1600" b="1" dirty="0">
                 <a:hlinkClick r:id="rId4"/>
               </a:rPr>
-              <a:t>10.6084/m9.figshare.12994376</a:t>
+              <a:t>10.6084/m9.figshare.14256257</a:t>
             </a:r>
             <a:endParaRPr lang="en-US" sz="1600" b="1" dirty="0"/>
           </a:p>
@@ -15736,21 +17312,13 @@
     </p:spTree>
     <p:extLst>
       <p:ext uri="{BB962C8B-B14F-4D97-AF65-F5344CB8AC3E}">
-        <p14:creationId xmlns:p14="http://schemas.microsoft.com/office/powerpoint/2010/main" val="741305829"/>
+        <p14:creationId xmlns:p14="http://schemas.microsoft.com/office/powerpoint/2010/main" val="978726433"/>
       </p:ext>
     </p:extLst>
   </p:cSld>
   <p:clrMapOvr>
     <a:masterClrMapping/>
   </p:clrMapOvr>
-  <mc:AlternateContent xmlns:mc="http://schemas.openxmlformats.org/markup-compatibility/2006" xmlns:p14="http://schemas.microsoft.com/office/powerpoint/2010/main">
-    <mc:Choice Requires="p14">
-      <p:transition spd="slow" p14:dur="2000" advTm="22654"/>
-    </mc:Choice>
-    <mc:Fallback xmlns="">
-      <p:transition spd="slow" advTm="22654"/>
-    </mc:Fallback>
-  </mc:AlternateContent>
 </p:sld>
 </file>
 
@@ -20727,7 +22295,7 @@
             <a:fld id="{B557289E-1B3F-4E63-935A-0E0E5EBBCF05}" type="datetime1">
               <a:rPr lang="en-US" smtClean="0"/>
               <a:pPr/>
-              <a:t>3/16/21</a:t>
+              <a:t>3/21/2021</a:t>
             </a:fld>
             <a:endParaRPr lang="en-US"/>
           </a:p>
@@ -22147,21 +23715,6 @@
 </file>
 
 <file path=customXml/item1.xml><?xml version="1.0" encoding="utf-8"?>
-<p:properties xmlns:p="http://schemas.microsoft.com/office/2006/metadata/properties" xmlns:xsi="http://www.w3.org/2001/XMLSchema-instance" xmlns:pc="http://schemas.microsoft.com/office/infopath/2007/PartnerControls">
-  <documentManagement/>
-</p:properties>
-</file>
-
-<file path=customXml/item2.xml><?xml version="1.0" encoding="utf-8"?>
-<?mso-contentType ?>
-<FormTemplates xmlns="http://schemas.microsoft.com/sharepoint/v3/contenttype/forms">
-  <Display>DocumentLibraryForm</Display>
-  <Edit>DocumentLibraryForm</Edit>
-  <New>DocumentLibraryForm</New>
-</FormTemplates>
-</file>
-
-<file path=customXml/item3.xml><?xml version="1.0" encoding="utf-8"?>
 <ct:contentTypeSchema xmlns:ct="http://schemas.microsoft.com/office/2006/metadata/contentType" xmlns:ma="http://schemas.microsoft.com/office/2006/metadata/properties/metaAttributes" ct:_="" ma:_="" ma:contentTypeName="Document" ma:contentTypeID="0x010100565464437F680748A68B85EB6594EA7D" ma:contentTypeVersion="0" ma:contentTypeDescription="Create a new document." ma:contentTypeScope="" ma:versionID="fe3f4dd58d5914c51cfc6deaa8ad845c">
   <xsd:schema xmlns:xsd="http://www.w3.org/2001/XMLSchema" xmlns:p="http://schemas.microsoft.com/office/2006/metadata/properties" targetNamespace="http://schemas.microsoft.com/office/2006/metadata/properties" ma:root="true" ma:fieldsID="4aeb20c0e3442673af7ee10786458764">
     <xsd:element name="properties">
@@ -22210,17 +23763,32 @@
 </ct:contentTypeSchema>
 </file>
 
+<file path=customXml/item2.xml><?xml version="1.0" encoding="utf-8"?>
+<?mso-contentType ?>
+<FormTemplates xmlns="http://schemas.microsoft.com/sharepoint/v3/contenttype/forms">
+  <Display>DocumentLibraryForm</Display>
+  <Edit>DocumentLibraryForm</Edit>
+  <New>DocumentLibraryForm</New>
+</FormTemplates>
+</file>
+
+<file path=customXml/item3.xml><?xml version="1.0" encoding="utf-8"?>
+<p:properties xmlns:p="http://schemas.microsoft.com/office/2006/metadata/properties" xmlns:xsi="http://www.w3.org/2001/XMLSchema-instance" xmlns:pc="http://schemas.microsoft.com/office/infopath/2007/PartnerControls">
+  <documentManagement/>
+</p:properties>
+</file>
+
 <file path=customXml/itemProps1.xml><?xml version="1.0" encoding="utf-8"?>
-<ds:datastoreItem xmlns:ds="http://schemas.openxmlformats.org/officeDocument/2006/customXml" ds:itemID="{A50EC660-24D0-43A0-AE5E-E274115E726B}">
+<ds:datastoreItem xmlns:ds="http://schemas.openxmlformats.org/officeDocument/2006/customXml" ds:itemID="{E8DB7DEB-074E-4EE8-9B6E-FD277323109C}">
   <ds:schemaRefs>
+    <ds:schemaRef ds:uri="http://schemas.microsoft.com/office/2006/metadata/contentType"/>
+    <ds:schemaRef ds:uri="http://schemas.microsoft.com/office/2006/metadata/properties/metaAttributes"/>
+    <ds:schemaRef ds:uri="http://www.w3.org/2001/XMLSchema"/>
+    <ds:schemaRef ds:uri="http://schemas.microsoft.com/office/2006/metadata/properties"/>
+    <ds:schemaRef ds:uri="http://schemas.openxmlformats.org/package/2006/metadata/core-properties"/>
+    <ds:schemaRef ds:uri="http://purl.org/dc/elements/1.1/"/>
     <ds:schemaRef ds:uri="http://purl.org/dc/terms/"/>
-    <ds:schemaRef ds:uri="http://schemas.openxmlformats.org/package/2006/metadata/core-properties"/>
-    <ds:schemaRef ds:uri="http://schemas.microsoft.com/office/2006/documentManagement/types"/>
-    <ds:schemaRef ds:uri="http://purl.org/dc/elements/1.1/"/>
-    <ds:schemaRef ds:uri="http://schemas.microsoft.com/office/2006/metadata/properties"/>
-    <ds:schemaRef ds:uri="http://www.w3.org/XML/1998/namespace"/>
-    <ds:schemaRef ds:uri="http://purl.org/dc/dcmitype/"/>
-    <ds:schemaRef ds:uri="http://schemas.microsoft.com/office/infopath/2007/PartnerControls"/>
+    <ds:schemaRef ds:uri="http://schemas.microsoft.com/office/internal/2005/internalDocumentation"/>
   </ds:schemaRefs>
 </ds:datastoreItem>
 </file>
@@ -22234,16 +23802,16 @@
 </file>
 
 <file path=customXml/itemProps3.xml><?xml version="1.0" encoding="utf-8"?>
-<ds:datastoreItem xmlns:ds="http://schemas.openxmlformats.org/officeDocument/2006/customXml" ds:itemID="{E8DB7DEB-074E-4EE8-9B6E-FD277323109C}">
+<ds:datastoreItem xmlns:ds="http://schemas.openxmlformats.org/officeDocument/2006/customXml" ds:itemID="{A50EC660-24D0-43A0-AE5E-E274115E726B}">
   <ds:schemaRefs>
-    <ds:schemaRef ds:uri="http://schemas.microsoft.com/office/2006/metadata/contentType"/>
-    <ds:schemaRef ds:uri="http://schemas.microsoft.com/office/2006/metadata/properties/metaAttributes"/>
-    <ds:schemaRef ds:uri="http://www.w3.org/2001/XMLSchema"/>
+    <ds:schemaRef ds:uri="http://purl.org/dc/terms/"/>
+    <ds:schemaRef ds:uri="http://schemas.openxmlformats.org/package/2006/metadata/core-properties"/>
+    <ds:schemaRef ds:uri="http://schemas.microsoft.com/office/2006/documentManagement/types"/>
+    <ds:schemaRef ds:uri="http://purl.org/dc/elements/1.1/"/>
     <ds:schemaRef ds:uri="http://schemas.microsoft.com/office/2006/metadata/properties"/>
-    <ds:schemaRef ds:uri="http://schemas.openxmlformats.org/package/2006/metadata/core-properties"/>
-    <ds:schemaRef ds:uri="http://purl.org/dc/elements/1.1/"/>
-    <ds:schemaRef ds:uri="http://purl.org/dc/terms/"/>
-    <ds:schemaRef ds:uri="http://schemas.microsoft.com/office/internal/2005/internalDocumentation"/>
+    <ds:schemaRef ds:uri="http://www.w3.org/XML/1998/namespace"/>
+    <ds:schemaRef ds:uri="http://purl.org/dc/dcmitype/"/>
+    <ds:schemaRef ds:uri="http://schemas.microsoft.com/office/infopath/2007/PartnerControls"/>
   </ds:schemaRefs>
 </ds:datastoreItem>
 </file>
--- a/final-presentations/2021-03-25-iss/05-design.pptx
+++ b/final-presentations/2021-03-25-iss/05-design.pptx
@@ -271,7 +271,7 @@
           <a:p>
             <a:fld id="{0B842F42-2CE9-4E35-95C1-410DC08A50B1}" type="datetimeFigureOut">
               <a:rPr lang="en-US" smtClean="0"/>
-              <a:t>3/21/2021</a:t>
+              <a:t>3/22/2021</a:t>
             </a:fld>
             <a:endParaRPr lang="en-US"/>
           </a:p>
@@ -436,7 +436,7 @@
           <a:p>
             <a:fld id="{6F282904-F315-4730-8D91-37D99E141A6F}" type="datetimeFigureOut">
               <a:rPr lang="en-US" smtClean="0"/>
-              <a:t>3/21/2021</a:t>
+              <a:t>3/22/2021</a:t>
             </a:fld>
             <a:endParaRPr lang="en-US"/>
           </a:p>
@@ -1645,7 +1645,7 @@
           <a:noFill/>
           <a:extLst>
             <a:ext uri="{909E8E84-426E-40dd-AFC4-6F175D3DCCD1}">
-              <a14:hiddenFill xmlns:a14="http://schemas.microsoft.com/office/drawing/2010/main" xmlns="">
+              <a14:hiddenFill xmlns="" xmlns:a14="http://schemas.microsoft.com/office/drawing/2010/main">
                 <a:solidFill>
                   <a:srgbClr val="FFFFFF"/>
                 </a:solidFill>
@@ -1799,7 +1799,7 @@
           <a:noFill/>
           <a:extLst>
             <a:ext uri="{909E8E84-426E-40dd-AFC4-6F175D3DCCD1}">
-              <a14:hiddenFill xmlns:a14="http://schemas.microsoft.com/office/drawing/2010/main" xmlns="">
+              <a14:hiddenFill xmlns="" xmlns:a14="http://schemas.microsoft.com/office/drawing/2010/main">
                 <a:solidFill>
                   <a:srgbClr val="FFFFFF"/>
                 </a:solidFill>
@@ -2219,7 +2219,7 @@
           <a:p>
             <a:fld id="{68F49DD1-DDB5-AB43-B311-7649AD474C82}" type="datetimeFigureOut">
               <a:rPr lang="en-US" smtClean="0"/>
-              <a:t>3/21/2021</a:t>
+              <a:t>3/22/2021</a:t>
             </a:fld>
             <a:endParaRPr lang="en-US"/>
           </a:p>
@@ -11615,43 +11615,6 @@
       </p:grpSp>
       <p:sp>
         <p:nvSpPr>
-          <p:cNvPr id="21" name="Slide Number Placeholder 4">
-            <a:extLst>
-              <a:ext uri="{FF2B5EF4-FFF2-40B4-BE49-F238E27FC236}">
-                <a16:creationId xmlns:a16="http://schemas.microsoft.com/office/drawing/2014/main" id="{EB004F76-44C9-7A4D-9792-F1AB05167BF9}"/>
-              </a:ext>
-            </a:extLst>
-          </p:cNvPr>
-          <p:cNvSpPr>
-            <a:spLocks noGrp="1"/>
-          </p:cNvSpPr>
-          <p:nvPr>
-            <p:ph type="sldNum" sz="quarter" idx="12"/>
-          </p:nvPr>
-        </p:nvSpPr>
-        <p:spPr>
-          <a:xfrm>
-            <a:off x="9980612" y="6400800"/>
-            <a:ext cx="457200" cy="274320"/>
-          </a:xfrm>
-        </p:spPr>
-        <p:txBody>
-          <a:bodyPr>
-            <a:normAutofit fontScale="85000" lnSpcReduction="20000"/>
-          </a:bodyPr>
-          <a:lstStyle/>
-          <a:p>
-            <a:fld id="{AEFAAC5A-9C4F-4278-920D-DF2BAB595749}" type="slidenum">
-              <a:rPr lang="en-US" smtClean="0"/>
-              <a:pPr/>
-              <a:t>13</a:t>
-            </a:fld>
-            <a:endParaRPr lang="en-US" dirty="0"/>
-          </a:p>
-        </p:txBody>
-      </p:sp>
-      <p:sp>
-        <p:nvSpPr>
           <p:cNvPr id="17" name="Title 1">
             <a:extLst>
               <a:ext uri="{FF2B5EF4-FFF2-40B4-BE49-F238E27FC236}">
@@ -18074,43 +18037,6 @@
       </p:grpSp>
       <p:sp>
         <p:nvSpPr>
-          <p:cNvPr id="21" name="Slide Number Placeholder 4">
-            <a:extLst>
-              <a:ext uri="{FF2B5EF4-FFF2-40B4-BE49-F238E27FC236}">
-                <a16:creationId xmlns:a16="http://schemas.microsoft.com/office/drawing/2014/main" id="{EB004F76-44C9-7A4D-9792-F1AB05167BF9}"/>
-              </a:ext>
-            </a:extLst>
-          </p:cNvPr>
-          <p:cNvSpPr>
-            <a:spLocks noGrp="1"/>
-          </p:cNvSpPr>
-          <p:nvPr>
-            <p:ph type="sldNum" sz="quarter" idx="12"/>
-          </p:nvPr>
-        </p:nvSpPr>
-        <p:spPr>
-          <a:xfrm>
-            <a:off x="9980612" y="6400800"/>
-            <a:ext cx="457200" cy="274320"/>
-          </a:xfrm>
-        </p:spPr>
-        <p:txBody>
-          <a:bodyPr>
-            <a:normAutofit fontScale="85000" lnSpcReduction="20000"/>
-          </a:bodyPr>
-          <a:lstStyle/>
-          <a:p>
-            <a:fld id="{AEFAAC5A-9C4F-4278-920D-DF2BAB595749}" type="slidenum">
-              <a:rPr lang="en-US" smtClean="0"/>
-              <a:pPr/>
-              <a:t>3</a:t>
-            </a:fld>
-            <a:endParaRPr lang="en-US" dirty="0"/>
-          </a:p>
-        </p:txBody>
-      </p:sp>
-      <p:sp>
-        <p:nvSpPr>
           <p:cNvPr id="17" name="Title 1">
             <a:extLst>
               <a:ext uri="{FF2B5EF4-FFF2-40B4-BE49-F238E27FC236}">
@@ -22171,270 +22097,6 @@
       </p:grpSpPr>
       <p:sp>
         <p:nvSpPr>
-          <p:cNvPr id="4" name="Date Placeholder 3">
-            <a:extLst>
-              <a:ext uri="{FF2B5EF4-FFF2-40B4-BE49-F238E27FC236}">
-                <a16:creationId xmlns:a16="http://schemas.microsoft.com/office/drawing/2014/main" id="{B2C88E49-3CEB-584A-AFB2-5B51EA707452}"/>
-              </a:ext>
-            </a:extLst>
-          </p:cNvPr>
-          <p:cNvSpPr>
-            <a:spLocks noGrp="1"/>
-          </p:cNvSpPr>
-          <p:nvPr>
-            <p:ph type="dt" sz="half" idx="10"/>
-          </p:nvPr>
-        </p:nvSpPr>
-        <p:spPr>
-          <a:xfrm>
-            <a:off x="6858000" y="6356350"/>
-            <a:ext cx="1600200" cy="274320"/>
-          </a:xfrm>
-          <a:prstGeom prst="rect">
-            <a:avLst/>
-          </a:prstGeom>
-        </p:spPr>
-        <p:txBody>
-          <a:bodyPr vert="horz" lIns="91440" tIns="45720" rIns="91440" bIns="45720" rtlCol="0" anchor="ctr" anchorCtr="0"/>
-          <a:lstStyle>
-            <a:defPPr>
-              <a:defRPr lang="en-US"/>
-            </a:defPPr>
-            <a:lvl1pPr marL="0" algn="r" defTabSz="914400" rtl="0" eaLnBrk="1" latinLnBrk="0" hangingPunct="1">
-              <a:defRPr sz="1100" kern="1200">
-                <a:solidFill>
-                  <a:schemeClr val="tx1"/>
-                </a:solidFill>
-                <a:latin typeface="Arial" panose="020B0604020202020204" pitchFamily="34" charset="0"/>
-                <a:ea typeface="+mn-ea"/>
-                <a:cs typeface="Arial" panose="020B0604020202020204" pitchFamily="34" charset="0"/>
-              </a:defRPr>
-            </a:lvl1pPr>
-            <a:lvl2pPr marL="457200" algn="l" defTabSz="914400" rtl="0" eaLnBrk="1" latinLnBrk="0" hangingPunct="1">
-              <a:defRPr sz="1800" kern="1200">
-                <a:solidFill>
-                  <a:schemeClr val="tx1"/>
-                </a:solidFill>
-                <a:latin typeface="+mn-lt"/>
-                <a:ea typeface="+mn-ea"/>
-                <a:cs typeface="+mn-cs"/>
-              </a:defRPr>
-            </a:lvl2pPr>
-            <a:lvl3pPr marL="914400" algn="l" defTabSz="914400" rtl="0" eaLnBrk="1" latinLnBrk="0" hangingPunct="1">
-              <a:defRPr sz="1800" kern="1200">
-                <a:solidFill>
-                  <a:schemeClr val="tx1"/>
-                </a:solidFill>
-                <a:latin typeface="+mn-lt"/>
-                <a:ea typeface="+mn-ea"/>
-                <a:cs typeface="+mn-cs"/>
-              </a:defRPr>
-            </a:lvl3pPr>
-            <a:lvl4pPr marL="1371600" algn="l" defTabSz="914400" rtl="0" eaLnBrk="1" latinLnBrk="0" hangingPunct="1">
-              <a:defRPr sz="1800" kern="1200">
-                <a:solidFill>
-                  <a:schemeClr val="tx1"/>
-                </a:solidFill>
-                <a:latin typeface="+mn-lt"/>
-                <a:ea typeface="+mn-ea"/>
-                <a:cs typeface="+mn-cs"/>
-              </a:defRPr>
-            </a:lvl4pPr>
-            <a:lvl5pPr marL="1828800" algn="l" defTabSz="914400" rtl="0" eaLnBrk="1" latinLnBrk="0" hangingPunct="1">
-              <a:defRPr sz="1800" kern="1200">
-                <a:solidFill>
-                  <a:schemeClr val="tx1"/>
-                </a:solidFill>
-                <a:latin typeface="+mn-lt"/>
-                <a:ea typeface="+mn-ea"/>
-                <a:cs typeface="+mn-cs"/>
-              </a:defRPr>
-            </a:lvl5pPr>
-            <a:lvl6pPr marL="2286000" algn="l" defTabSz="914400" rtl="0" eaLnBrk="1" latinLnBrk="0" hangingPunct="1">
-              <a:defRPr sz="1800" kern="1200">
-                <a:solidFill>
-                  <a:schemeClr val="tx1"/>
-                </a:solidFill>
-                <a:latin typeface="+mn-lt"/>
-                <a:ea typeface="+mn-ea"/>
-                <a:cs typeface="+mn-cs"/>
-              </a:defRPr>
-            </a:lvl6pPr>
-            <a:lvl7pPr marL="2743200" algn="l" defTabSz="914400" rtl="0" eaLnBrk="1" latinLnBrk="0" hangingPunct="1">
-              <a:defRPr sz="1800" kern="1200">
-                <a:solidFill>
-                  <a:schemeClr val="tx1"/>
-                </a:solidFill>
-                <a:latin typeface="+mn-lt"/>
-                <a:ea typeface="+mn-ea"/>
-                <a:cs typeface="+mn-cs"/>
-              </a:defRPr>
-            </a:lvl7pPr>
-            <a:lvl8pPr marL="3200400" algn="l" defTabSz="914400" rtl="0" eaLnBrk="1" latinLnBrk="0" hangingPunct="1">
-              <a:defRPr sz="1800" kern="1200">
-                <a:solidFill>
-                  <a:schemeClr val="tx1"/>
-                </a:solidFill>
-                <a:latin typeface="+mn-lt"/>
-                <a:ea typeface="+mn-ea"/>
-                <a:cs typeface="+mn-cs"/>
-              </a:defRPr>
-            </a:lvl8pPr>
-            <a:lvl9pPr marL="3657600" algn="l" defTabSz="914400" rtl="0" eaLnBrk="1" latinLnBrk="0" hangingPunct="1">
-              <a:defRPr sz="1800" kern="1200">
-                <a:solidFill>
-                  <a:schemeClr val="tx1"/>
-                </a:solidFill>
-                <a:latin typeface="+mn-lt"/>
-                <a:ea typeface="+mn-ea"/>
-                <a:cs typeface="+mn-cs"/>
-              </a:defRPr>
-            </a:lvl9pPr>
-          </a:lstStyle>
-          <a:p>
-            <a:fld id="{B557289E-1B3F-4E63-935A-0E0E5EBBCF05}" type="datetime1">
-              <a:rPr lang="en-US" smtClean="0"/>
-              <a:pPr/>
-              <a:t>3/21/2021</a:t>
-            </a:fld>
-            <a:endParaRPr lang="en-US"/>
-          </a:p>
-        </p:txBody>
-      </p:sp>
-      <p:sp>
-        <p:nvSpPr>
-          <p:cNvPr id="5" name="Slide Number Placeholder 4">
-            <a:extLst>
-              <a:ext uri="{FF2B5EF4-FFF2-40B4-BE49-F238E27FC236}">
-                <a16:creationId xmlns:a16="http://schemas.microsoft.com/office/drawing/2014/main" id="{B05AEFD1-E907-E749-8CE9-8AC2C9DDB011}"/>
-              </a:ext>
-            </a:extLst>
-          </p:cNvPr>
-          <p:cNvSpPr>
-            <a:spLocks noGrp="1"/>
-          </p:cNvSpPr>
-          <p:nvPr>
-            <p:ph type="sldNum" sz="quarter" idx="12"/>
-          </p:nvPr>
-        </p:nvSpPr>
-        <p:spPr>
-          <a:xfrm>
-            <a:off x="8458200" y="6356350"/>
-            <a:ext cx="457200" cy="274320"/>
-          </a:xfrm>
-          <a:prstGeom prst="rect">
-            <a:avLst/>
-          </a:prstGeom>
-        </p:spPr>
-        <p:txBody>
-          <a:bodyPr vert="horz" lIns="91440" tIns="45720" rIns="91440" bIns="45720" rtlCol="0" anchor="ctr" anchorCtr="0"/>
-          <a:lstStyle>
-            <a:defPPr>
-              <a:defRPr lang="en-US"/>
-            </a:defPPr>
-            <a:lvl1pPr marL="0" algn="r" defTabSz="914400" rtl="0" eaLnBrk="1" latinLnBrk="0" hangingPunct="1">
-              <a:defRPr sz="1100" kern="1200">
-                <a:solidFill>
-                  <a:schemeClr val="tx1"/>
-                </a:solidFill>
-                <a:latin typeface="Arial" panose="020B0604020202020204" pitchFamily="34" charset="0"/>
-                <a:ea typeface="+mn-ea"/>
-                <a:cs typeface="Arial" panose="020B0604020202020204" pitchFamily="34" charset="0"/>
-              </a:defRPr>
-            </a:lvl1pPr>
-            <a:lvl2pPr marL="457200" algn="l" defTabSz="914400" rtl="0" eaLnBrk="1" latinLnBrk="0" hangingPunct="1">
-              <a:defRPr sz="1800" kern="1200">
-                <a:solidFill>
-                  <a:schemeClr val="tx1"/>
-                </a:solidFill>
-                <a:latin typeface="+mn-lt"/>
-                <a:ea typeface="+mn-ea"/>
-                <a:cs typeface="+mn-cs"/>
-              </a:defRPr>
-            </a:lvl2pPr>
-            <a:lvl3pPr marL="914400" algn="l" defTabSz="914400" rtl="0" eaLnBrk="1" latinLnBrk="0" hangingPunct="1">
-              <a:defRPr sz="1800" kern="1200">
-                <a:solidFill>
-                  <a:schemeClr val="tx1"/>
-                </a:solidFill>
-                <a:latin typeface="+mn-lt"/>
-                <a:ea typeface="+mn-ea"/>
-                <a:cs typeface="+mn-cs"/>
-              </a:defRPr>
-            </a:lvl3pPr>
-            <a:lvl4pPr marL="1371600" algn="l" defTabSz="914400" rtl="0" eaLnBrk="1" latinLnBrk="0" hangingPunct="1">
-              <a:defRPr sz="1800" kern="1200">
-                <a:solidFill>
-                  <a:schemeClr val="tx1"/>
-                </a:solidFill>
-                <a:latin typeface="+mn-lt"/>
-                <a:ea typeface="+mn-ea"/>
-                <a:cs typeface="+mn-cs"/>
-              </a:defRPr>
-            </a:lvl4pPr>
-            <a:lvl5pPr marL="1828800" algn="l" defTabSz="914400" rtl="0" eaLnBrk="1" latinLnBrk="0" hangingPunct="1">
-              <a:defRPr sz="1800" kern="1200">
-                <a:solidFill>
-                  <a:schemeClr val="tx1"/>
-                </a:solidFill>
-                <a:latin typeface="+mn-lt"/>
-                <a:ea typeface="+mn-ea"/>
-                <a:cs typeface="+mn-cs"/>
-              </a:defRPr>
-            </a:lvl5pPr>
-            <a:lvl6pPr marL="2286000" algn="l" defTabSz="914400" rtl="0" eaLnBrk="1" latinLnBrk="0" hangingPunct="1">
-              <a:defRPr sz="1800" kern="1200">
-                <a:solidFill>
-                  <a:schemeClr val="tx1"/>
-                </a:solidFill>
-                <a:latin typeface="+mn-lt"/>
-                <a:ea typeface="+mn-ea"/>
-                <a:cs typeface="+mn-cs"/>
-              </a:defRPr>
-            </a:lvl6pPr>
-            <a:lvl7pPr marL="2743200" algn="l" defTabSz="914400" rtl="0" eaLnBrk="1" latinLnBrk="0" hangingPunct="1">
-              <a:defRPr sz="1800" kern="1200">
-                <a:solidFill>
-                  <a:schemeClr val="tx1"/>
-                </a:solidFill>
-                <a:latin typeface="+mn-lt"/>
-                <a:ea typeface="+mn-ea"/>
-                <a:cs typeface="+mn-cs"/>
-              </a:defRPr>
-            </a:lvl7pPr>
-            <a:lvl8pPr marL="3200400" algn="l" defTabSz="914400" rtl="0" eaLnBrk="1" latinLnBrk="0" hangingPunct="1">
-              <a:defRPr sz="1800" kern="1200">
-                <a:solidFill>
-                  <a:schemeClr val="tx1"/>
-                </a:solidFill>
-                <a:latin typeface="+mn-lt"/>
-                <a:ea typeface="+mn-ea"/>
-                <a:cs typeface="+mn-cs"/>
-              </a:defRPr>
-            </a:lvl8pPr>
-            <a:lvl9pPr marL="3657600" algn="l" defTabSz="914400" rtl="0" eaLnBrk="1" latinLnBrk="0" hangingPunct="1">
-              <a:defRPr sz="1800" kern="1200">
-                <a:solidFill>
-                  <a:schemeClr val="tx1"/>
-                </a:solidFill>
-                <a:latin typeface="+mn-lt"/>
-                <a:ea typeface="+mn-ea"/>
-                <a:cs typeface="+mn-cs"/>
-              </a:defRPr>
-            </a:lvl9pPr>
-          </a:lstStyle>
-          <a:p>
-            <a:fld id="{AEFAAC5A-9C4F-4278-920D-DF2BAB595749}" type="slidenum">
-              <a:rPr lang="en-US" smtClean="0"/>
-              <a:pPr/>
-              <a:t>9</a:t>
-            </a:fld>
-            <a:endParaRPr lang="en-US" dirty="0"/>
-          </a:p>
-        </p:txBody>
-      </p:sp>
-      <p:sp>
-        <p:nvSpPr>
           <p:cNvPr id="8" name="Title 1">
             <a:extLst>
               <a:ext uri="{FF2B5EF4-FFF2-40B4-BE49-F238E27FC236}">
@@ -23715,6 +23377,15 @@
 </file>
 
 <file path=customXml/item1.xml><?xml version="1.0" encoding="utf-8"?>
+<?mso-contentType ?>
+<FormTemplates xmlns="http://schemas.microsoft.com/sharepoint/v3/contenttype/forms">
+  <Display>DocumentLibraryForm</Display>
+  <Edit>DocumentLibraryForm</Edit>
+  <New>DocumentLibraryForm</New>
+</FormTemplates>
+</file>
+
+<file path=customXml/item2.xml><?xml version="1.0" encoding="utf-8"?>
 <ct:contentTypeSchema xmlns:ct="http://schemas.microsoft.com/office/2006/metadata/contentType" xmlns:ma="http://schemas.microsoft.com/office/2006/metadata/properties/metaAttributes" ct:_="" ma:_="" ma:contentTypeName="Document" ma:contentTypeID="0x010100565464437F680748A68B85EB6594EA7D" ma:contentTypeVersion="0" ma:contentTypeDescription="Create a new document." ma:contentTypeScope="" ma:versionID="fe3f4dd58d5914c51cfc6deaa8ad845c">
   <xsd:schema xmlns:xsd="http://www.w3.org/2001/XMLSchema" xmlns:p="http://schemas.microsoft.com/office/2006/metadata/properties" targetNamespace="http://schemas.microsoft.com/office/2006/metadata/properties" ma:root="true" ma:fieldsID="4aeb20c0e3442673af7ee10786458764">
     <xsd:element name="properties">
@@ -23763,15 +23434,6 @@
 </ct:contentTypeSchema>
 </file>
 
-<file path=customXml/item2.xml><?xml version="1.0" encoding="utf-8"?>
-<?mso-contentType ?>
-<FormTemplates xmlns="http://schemas.microsoft.com/sharepoint/v3/contenttype/forms">
-  <Display>DocumentLibraryForm</Display>
-  <Edit>DocumentLibraryForm</Edit>
-  <New>DocumentLibraryForm</New>
-</FormTemplates>
-</file>
-
 <file path=customXml/item3.xml><?xml version="1.0" encoding="utf-8"?>
 <p:properties xmlns:p="http://schemas.microsoft.com/office/2006/metadata/properties" xmlns:xsi="http://www.w3.org/2001/XMLSchema-instance" xmlns:pc="http://schemas.microsoft.com/office/infopath/2007/PartnerControls">
   <documentManagement/>
@@ -23779,6 +23441,14 @@
 </file>
 
 <file path=customXml/itemProps1.xml><?xml version="1.0" encoding="utf-8"?>
+<ds:datastoreItem xmlns:ds="http://schemas.openxmlformats.org/officeDocument/2006/customXml" ds:itemID="{19E20559-B232-4371-8690-E3D8007EDB82}">
+  <ds:schemaRefs>
+    <ds:schemaRef ds:uri="http://schemas.microsoft.com/sharepoint/v3/contenttype/forms"/>
+  </ds:schemaRefs>
+</ds:datastoreItem>
+</file>
+
+<file path=customXml/itemProps2.xml><?xml version="1.0" encoding="utf-8"?>
 <ds:datastoreItem xmlns:ds="http://schemas.openxmlformats.org/officeDocument/2006/customXml" ds:itemID="{E8DB7DEB-074E-4EE8-9B6E-FD277323109C}">
   <ds:schemaRefs>
     <ds:schemaRef ds:uri="http://schemas.microsoft.com/office/2006/metadata/contentType"/>
@@ -23789,14 +23459,6 @@
     <ds:schemaRef ds:uri="http://purl.org/dc/elements/1.1/"/>
     <ds:schemaRef ds:uri="http://purl.org/dc/terms/"/>
     <ds:schemaRef ds:uri="http://schemas.microsoft.com/office/internal/2005/internalDocumentation"/>
-  </ds:schemaRefs>
-</ds:datastoreItem>
-</file>
-
-<file path=customXml/itemProps2.xml><?xml version="1.0" encoding="utf-8"?>
-<ds:datastoreItem xmlns:ds="http://schemas.openxmlformats.org/officeDocument/2006/customXml" ds:itemID="{19E20559-B232-4371-8690-E3D8007EDB82}">
-  <ds:schemaRefs>
-    <ds:schemaRef ds:uri="http://schemas.microsoft.com/sharepoint/v3/contenttype/forms"/>
   </ds:schemaRefs>
 </ds:datastoreItem>
 </file>
